--- a/spring13/slides13/ran-vars-independence.pptx
+++ b/spring13/slides13/ran-vars-independence.pptx
@@ -1968,11 +1968,11 @@
             </a:pPr>
             <a:r>
               <a:rPr lang="en-US" dirty="0" err="1" smtClean="0"/>
-              <a:t>lec</a:t>
+              <a:t>ranvarindep</a:t>
             </a:r>
             <a:r>
               <a:rPr lang="en-US" dirty="0" smtClean="0"/>
-              <a:t> 12W.</a:t>
+              <a:t>.</a:t>
             </a:r>
             <a:fld id="{FC9265C7-2444-489D-860F-86AAC4235083}" type="slidenum">
               <a:rPr lang="en-US" smtClean="0"/>
@@ -2140,11 +2140,11 @@
             </a:pPr>
             <a:r>
               <a:rPr lang="en-US" dirty="0" err="1" smtClean="0"/>
-              <a:t>lec</a:t>
+              <a:t>ranvarindep</a:t>
             </a:r>
             <a:r>
               <a:rPr lang="en-US" dirty="0" smtClean="0"/>
-              <a:t> 12W.</a:t>
+              <a:t>.</a:t>
             </a:r>
             <a:fld id="{7886A709-CED2-48A3-8616-B2655C008ECB}" type="slidenum">
               <a:rPr lang="en-US" smtClean="0"/>
@@ -2233,11 +2233,11 @@
             </a:pPr>
             <a:r>
               <a:rPr lang="en-US" dirty="0" err="1" smtClean="0"/>
-              <a:t>lec</a:t>
+              <a:t>ranvarindep</a:t>
             </a:r>
             <a:r>
               <a:rPr lang="en-US" dirty="0" smtClean="0"/>
-              <a:t> 12W.</a:t>
+              <a:t>.</a:t>
             </a:r>
             <a:fld id="{9B55653B-1858-43BF-A49A-533C730B553F}" type="slidenum">
               <a:rPr lang="en-US" smtClean="0"/>
@@ -2299,11 +2299,11 @@
             </a:pPr>
             <a:r>
               <a:rPr lang="en-US" dirty="0" err="1" smtClean="0"/>
-              <a:t>lec</a:t>
+              <a:t>ranvarindep</a:t>
             </a:r>
             <a:r>
               <a:rPr lang="en-US" dirty="0" smtClean="0"/>
-              <a:t> 12W.</a:t>
+              <a:t>.</a:t>
             </a:r>
             <a:fld id="{4E62291C-8AD8-4AE0-8F6D-A8437E91FB33}" type="slidenum">
               <a:rPr lang="en-US" smtClean="0"/>
@@ -2507,11 +2507,11 @@
             </a:pPr>
             <a:r>
               <a:rPr lang="en-US" dirty="0" err="1" smtClean="0"/>
-              <a:t>lec</a:t>
+              <a:t>ranvarindep</a:t>
             </a:r>
             <a:r>
               <a:rPr lang="en-US" dirty="0" smtClean="0"/>
-              <a:t> 12W.</a:t>
+              <a:t>-.</a:t>
             </a:r>
             <a:fld id="{7886A709-CED2-48A3-8616-B2655C008ECB}" type="slidenum">
               <a:rPr lang="en-US" smtClean="0"/>
@@ -2607,7 +2607,22 @@
                 <a:uFillTx/>
                 <a:latin typeface="Comic Sans MS" pitchFamily="66" charset="0"/>
               </a:rPr>
-              <a:t>Albert R Meyer           May 2, 2012</a:t>
+              <a:t>Albert R Meyer           May </a:t>
+            </a:r>
+            <a:r>
+              <a:rPr kumimoji="0" lang="en-US" sz="1200" b="0" i="0" u="none" strike="noStrike" kern="1200" cap="none" spc="0" normalizeH="0" baseline="0" noProof="0" dirty="0" smtClean="0">
+                <a:ln>
+                  <a:noFill/>
+                </a:ln>
+                <a:solidFill>
+                  <a:schemeClr val="tx1"/>
+                </a:solidFill>
+                <a:effectLst/>
+                <a:uLnTx/>
+                <a:uFillTx/>
+                <a:latin typeface="Comic Sans MS" pitchFamily="66" charset="0"/>
+              </a:rPr>
+              <a:t>6, 2013</a:t>
             </a:r>
             <a:endParaRPr kumimoji="0" lang="en-US" sz="1200" b="0" i="0" u="none" strike="noStrike" kern="1200" cap="none" spc="0" normalizeH="0" baseline="0" noProof="0" dirty="0">
               <a:ln>
@@ -3065,12 +3080,12 @@
               <a:defRPr/>
             </a:pPr>
             <a:r>
-              <a:rPr lang="en-US" dirty="0" err="1"/>
-              <a:t>lec</a:t>
+              <a:rPr lang="en-US" dirty="0" err="1" smtClean="0"/>
+              <a:t>ranvarindep</a:t>
             </a:r>
             <a:r>
               <a:rPr lang="en-US" dirty="0" smtClean="0"/>
-              <a:t> 12W.</a:t>
+              <a:t>.</a:t>
             </a:r>
             <a:fld id="{E4635AA4-CD52-4E2F-88C8-055AD69B0D4E}" type="slidenum">
               <a:rPr lang="en-US" smtClean="0"/>
@@ -3265,12 +3280,12 @@
               <a:defRPr/>
             </a:pPr>
             <a:r>
-              <a:rPr lang="en-US" dirty="0" err="1"/>
-              <a:t>lec</a:t>
+              <a:rPr lang="en-US" dirty="0" err="1" smtClean="0"/>
+              <a:t>ranvarindep</a:t>
             </a:r>
             <a:r>
               <a:rPr lang="en-US" dirty="0" smtClean="0"/>
-              <a:t> 12W.</a:t>
+              <a:t>.</a:t>
             </a:r>
             <a:fld id="{39196791-36AF-407D-9527-253971E27E13}" type="slidenum">
               <a:rPr lang="en-US" smtClean="0"/>
@@ -3472,7 +3487,7 @@
           <a:graphicData uri="http://schemas.openxmlformats.org/presentationml/2006/ole">
             <mc:AlternateContent xmlns:mc="http://schemas.openxmlformats.org/markup-compatibility/2006">
               <mc:Choice xmlns:v="urn:schemas-microsoft-com:vml" Requires="v">
-                <p:oleObj spid="_x0000_s484388" name="Equation" r:id="rId4" imgW="2133600" imgH="533400" progId="Equation.DSMT4">
+                <p:oleObj spid="_x0000_s484390" name="Equation" r:id="rId4" imgW="2133600" imgH="533400" progId="Equation.DSMT4">
                   <p:embed/>
                 </p:oleObj>
               </mc:Choice>
@@ -3840,12 +3855,12 @@
               <a:defRPr/>
             </a:pPr>
             <a:r>
-              <a:rPr lang="en-US" dirty="0" err="1"/>
-              <a:t>lec</a:t>
+              <a:rPr lang="en-US" dirty="0" err="1" smtClean="0"/>
+              <a:t>ranvarindep</a:t>
             </a:r>
             <a:r>
               <a:rPr lang="en-US" dirty="0" smtClean="0"/>
-              <a:t> 12W.</a:t>
+              <a:t>.</a:t>
             </a:r>
             <a:fld id="{D23F9710-1A5A-4DD7-AAD4-90010A12B4AF}" type="slidenum">
               <a:rPr lang="en-US" smtClean="0"/>
@@ -4271,12 +4286,12 @@
               <a:defRPr/>
             </a:pPr>
             <a:r>
-              <a:rPr lang="en-US" dirty="0" err="1"/>
-              <a:t>lec</a:t>
+              <a:rPr lang="en-US" dirty="0" err="1" smtClean="0"/>
+              <a:t>ranvarindep</a:t>
             </a:r>
             <a:r>
               <a:rPr lang="en-US" dirty="0" smtClean="0"/>
-              <a:t> 12W.</a:t>
+              <a:t>.</a:t>
             </a:r>
             <a:fld id="{D23F9710-1A5A-4DD7-AAD4-90010A12B4AF}" type="slidenum">
               <a:rPr lang="en-US" smtClean="0"/>
@@ -4654,12 +4669,12 @@
               <a:defRPr/>
             </a:pPr>
             <a:r>
-              <a:rPr lang="en-US" dirty="0" err="1"/>
-              <a:t>lec</a:t>
+              <a:rPr lang="en-US" dirty="0" err="1" smtClean="0"/>
+              <a:t>ranvarindep</a:t>
             </a:r>
             <a:r>
               <a:rPr lang="en-US" dirty="0" smtClean="0"/>
-              <a:t> 12W.</a:t>
+              <a:t>.</a:t>
             </a:r>
             <a:fld id="{46C5BC43-4CC7-4EEC-A2B6-2433DE61198C}" type="slidenum">
               <a:rPr lang="en-US" smtClean="0"/>
@@ -4787,7 +4802,7 @@
           <a:graphicData uri="http://schemas.openxmlformats.org/presentationml/2006/ole">
             <mc:AlternateContent xmlns:mc="http://schemas.openxmlformats.org/markup-compatibility/2006">
               <mc:Choice xmlns:v="urn:schemas-microsoft-com:vml" Requires="v">
-                <p:oleObj spid="_x0000_s6180" name="Equation" r:id="rId4" imgW="1638000" imgH="507960" progId="Equation.DSMT4">
+                <p:oleObj spid="_x0000_s6182" name="Equation" r:id="rId4" imgW="1638000" imgH="507960" progId="Equation.DSMT4">
                   <p:embed/>
                 </p:oleObj>
               </mc:Choice>
@@ -5012,12 +5027,12 @@
               <a:defRPr/>
             </a:pPr>
             <a:r>
-              <a:rPr lang="en-US" dirty="0" err="1"/>
-              <a:t>lec</a:t>
+              <a:rPr lang="en-US" dirty="0" err="1" smtClean="0"/>
+              <a:t>ranvarindep</a:t>
             </a:r>
             <a:r>
               <a:rPr lang="en-US" dirty="0" smtClean="0"/>
-              <a:t> 12W.</a:t>
+              <a:t>.</a:t>
             </a:r>
             <a:fld id="{D6314249-D27F-4E10-9233-4726DA19EA68}" type="slidenum">
               <a:rPr lang="en-US" smtClean="0"/>
@@ -5140,10 +5155,16 @@
               <a:rPr lang="en-US" sz="4000" dirty="0" err="1" smtClean="0">
                 <a:cs typeface="Times New Roman" pitchFamily="18" charset="0"/>
               </a:rPr>
-              <a:t>Pr{</a:t>
-            </a:r>
-            <a:r>
-              <a:rPr lang="en-US" sz="4000" dirty="0" err="1" smtClean="0">
+              <a:t>Pr</a:t>
+            </a:r>
+            <a:r>
+              <a:rPr lang="en-US" sz="4000" dirty="0" smtClean="0">
+                <a:cs typeface="Times New Roman" pitchFamily="18" charset="0"/>
+              </a:rPr>
+              <a:t>[</a:t>
+            </a:r>
+            <a:r>
+              <a:rPr lang="en-US" sz="4000" dirty="0" smtClean="0">
                 <a:solidFill>
                   <a:srgbClr val="3333FF"/>
                 </a:solidFill>
@@ -5169,7 +5190,19 @@
               <a:rPr lang="en-US" sz="4000" dirty="0" smtClean="0">
                 <a:cs typeface="Times New Roman" pitchFamily="18" charset="0"/>
               </a:rPr>
-              <a:t> 1} = 7/8</a:t>
+              <a:t> </a:t>
+            </a:r>
+            <a:r>
+              <a:rPr lang="en-US" sz="4000" dirty="0" smtClean="0">
+                <a:cs typeface="Times New Roman" pitchFamily="18" charset="0"/>
+              </a:rPr>
+              <a:t>1] </a:t>
+            </a:r>
+            <a:r>
+              <a:rPr lang="en-US" sz="4000" dirty="0" smtClean="0">
+                <a:cs typeface="Times New Roman" pitchFamily="18" charset="0"/>
+              </a:rPr>
+              <a:t>= 7/8</a:t>
             </a:r>
           </a:p>
           <a:p>
@@ -5178,10 +5211,16 @@
               <a:buChar char="•"/>
             </a:pPr>
             <a:r>
+              <a:rPr lang="en-US" sz="4000" dirty="0" err="1" smtClean="0">
+                <a:cs typeface="Times New Roman" pitchFamily="18" charset="0"/>
+              </a:rPr>
+              <a:t>Pr</a:t>
+            </a:r>
+            <a:r>
               <a:rPr lang="en-US" sz="4000" dirty="0" smtClean="0">
                 <a:cs typeface="Times New Roman" pitchFamily="18" charset="0"/>
               </a:rPr>
-              <a:t>Pr{</a:t>
+              <a:t>[</a:t>
             </a:r>
             <a:r>
               <a:rPr lang="en-US" sz="4000" dirty="0" smtClean="0">
@@ -5223,7 +5262,31 @@
               <a:rPr lang="en-US" sz="4000" dirty="0" smtClean="0">
                 <a:cs typeface="Times New Roman" pitchFamily="18" charset="0"/>
               </a:rPr>
-              <a:t> 0} = Pr{</a:t>
+              <a:t> </a:t>
+            </a:r>
+            <a:r>
+              <a:rPr lang="en-US" sz="4000" dirty="0" smtClean="0">
+                <a:cs typeface="Times New Roman" pitchFamily="18" charset="0"/>
+              </a:rPr>
+              <a:t>0] </a:t>
+            </a:r>
+            <a:r>
+              <a:rPr lang="en-US" sz="4000" dirty="0" smtClean="0">
+                <a:cs typeface="Times New Roman" pitchFamily="18" charset="0"/>
+              </a:rPr>
+              <a:t>= </a:t>
+            </a:r>
+            <a:r>
+              <a:rPr lang="en-US" sz="4000" dirty="0" err="1" smtClean="0">
+                <a:cs typeface="Times New Roman" pitchFamily="18" charset="0"/>
+              </a:rPr>
+              <a:t>Pr</a:t>
+            </a:r>
+            <a:r>
+              <a:rPr lang="en-US" sz="4000" dirty="0" smtClean="0">
+                <a:cs typeface="Times New Roman" pitchFamily="18" charset="0"/>
+              </a:rPr>
+              <a:t>[</a:t>
             </a:r>
             <a:r>
               <a:rPr lang="en-US" sz="4000" dirty="0" smtClean="0">
@@ -5282,8 +5345,11 @@
               <a:rPr lang="en-US" sz="4000" dirty="0" smtClean="0">
                 <a:cs typeface="Times New Roman" pitchFamily="18" charset="0"/>
               </a:rPr>
-              <a:t>0}</a:t>
-            </a:r>
+              <a:t>0]</a:t>
+            </a:r>
+            <a:endParaRPr lang="en-US" sz="4000" dirty="0" smtClean="0">
+              <a:cs typeface="Times New Roman" pitchFamily="18" charset="0"/>
+            </a:endParaRPr>
           </a:p>
           <a:p>
             <a:pPr lvl="1" eaLnBrk="1" hangingPunct="1"/>
@@ -5291,7 +5357,25 @@
               <a:rPr lang="en-US" sz="4000" dirty="0" smtClean="0">
                 <a:cs typeface="Times New Roman" pitchFamily="18" charset="0"/>
               </a:rPr>
-              <a:t>    = Pr{all heads} = 1/8</a:t>
+              <a:t>    = </a:t>
+            </a:r>
+            <a:r>
+              <a:rPr lang="en-US" sz="4000" dirty="0" err="1" smtClean="0">
+                <a:cs typeface="Times New Roman" pitchFamily="18" charset="0"/>
+              </a:rPr>
+              <a:t>Pr</a:t>
+            </a:r>
+            <a:r>
+              <a:rPr lang="en-US" sz="4000" dirty="0" smtClean="0">
+                <a:cs typeface="Times New Roman" pitchFamily="18" charset="0"/>
+              </a:rPr>
+              <a:t>[all heads] </a:t>
+            </a:r>
+            <a:r>
+              <a:rPr lang="en-US" sz="4000" dirty="0" smtClean="0">
+                <a:cs typeface="Times New Roman" pitchFamily="18" charset="0"/>
+              </a:rPr>
+              <a:t>= 1/8</a:t>
             </a:r>
           </a:p>
         </p:txBody>
@@ -5556,16 +5640,16 @@
               <a:defRPr/>
             </a:pPr>
             <a:r>
-              <a:rPr lang="en-US" dirty="0" err="1">
+              <a:rPr lang="en-US" dirty="0" err="1" smtClean="0">
                 <a:latin typeface="+mj-lt"/>
               </a:rPr>
-              <a:t>lec</a:t>
+              <a:t>ranvarindep</a:t>
             </a:r>
             <a:r>
               <a:rPr lang="en-US" dirty="0" smtClean="0">
                 <a:latin typeface="+mj-lt"/>
               </a:rPr>
-              <a:t> 12W.</a:t>
+              <a:t>.</a:t>
             </a:r>
             <a:fld id="{E30C1D59-262D-4F8F-B8EA-654BF725DE37}" type="slidenum">
               <a:rPr lang="en-US" smtClean="0">
@@ -6326,12 +6410,12 @@
               <a:defRPr/>
             </a:pPr>
             <a:r>
-              <a:rPr lang="en-US" dirty="0" err="1"/>
-              <a:t>lec</a:t>
+              <a:rPr lang="en-US" dirty="0" err="1" smtClean="0"/>
+              <a:t>ranvarindep</a:t>
             </a:r>
             <a:r>
               <a:rPr lang="en-US" dirty="0" smtClean="0"/>
-              <a:t> 12W.</a:t>
+              <a:t>.</a:t>
             </a:r>
             <a:fld id="{5D7D57D3-C431-464B-8EDB-FA5824302EDB}" type="slidenum">
               <a:rPr lang="en-US" smtClean="0"/>
@@ -6893,12 +6977,12 @@
               <a:defRPr/>
             </a:pPr>
             <a:r>
-              <a:rPr lang="en-US" dirty="0" err="1"/>
-              <a:t>lec</a:t>
+              <a:rPr lang="en-US" dirty="0" err="1" smtClean="0"/>
+              <a:t>ranvarindep</a:t>
             </a:r>
             <a:r>
               <a:rPr lang="en-US" dirty="0" smtClean="0"/>
-              <a:t> 12W.</a:t>
+              <a:t>.</a:t>
             </a:r>
             <a:fld id="{4BEEAA87-0C16-438F-8FC8-D5EDAE475F35}" type="slidenum">
               <a:rPr lang="en-US" smtClean="0"/>
@@ -6951,10 +7035,14 @@
             </a:pPr>
             <a:r>
               <a:rPr lang="en-US" sz="6000" dirty="0" err="1" smtClean="0"/>
-              <a:t>Pr{</a:t>
-            </a:r>
-            <a:r>
-              <a:rPr lang="en-US" sz="6000" dirty="0" err="1" smtClean="0">
+              <a:t>Pr</a:t>
+            </a:r>
+            <a:r>
+              <a:rPr lang="en-US" sz="6000" dirty="0" smtClean="0"/>
+              <a:t>[</a:t>
+            </a:r>
+            <a:r>
+              <a:rPr lang="en-US" sz="6000" dirty="0" smtClean="0">
                 <a:solidFill>
                   <a:srgbClr val="3333FF"/>
                 </a:solidFill>
@@ -7060,7 +7148,11 @@
             </a:r>
             <a:r>
               <a:rPr lang="en-US" sz="6000" dirty="0" smtClean="0"/>
-              <a:t>} =</a:t>
+              <a:t>] </a:t>
+            </a:r>
+            <a:r>
+              <a:rPr lang="en-US" sz="6000" dirty="0" smtClean="0"/>
+              <a:t>=</a:t>
             </a:r>
             <a:endParaRPr lang="en-US" sz="6000" dirty="0" smtClean="0">
               <a:solidFill>
@@ -7078,8 +7170,12 @@
               </a:spcBef>
             </a:pPr>
             <a:r>
+              <a:rPr lang="en-US" sz="6000" dirty="0" err="1" smtClean="0"/>
+              <a:t>Pr</a:t>
+            </a:r>
+            <a:r>
               <a:rPr lang="en-US" sz="6000" dirty="0" smtClean="0"/>
-              <a:t>Pr{</a:t>
+              <a:t>[</a:t>
             </a:r>
             <a:r>
               <a:rPr lang="en-US" sz="6000" dirty="0" smtClean="0">
@@ -7123,7 +7219,7 @@
             </a:r>
             <a:r>
               <a:rPr lang="en-US" sz="6000" dirty="0" smtClean="0"/>
-              <a:t>}</a:t>
+              <a:t>]</a:t>
             </a:r>
             <a:r>
               <a:rPr lang="en-US" sz="6000" dirty="0" smtClean="0">
@@ -7152,8 +7248,12 @@
               <a:t> </a:t>
             </a:r>
             <a:r>
+              <a:rPr lang="en-US" sz="6000" dirty="0" err="1" smtClean="0"/>
+              <a:t>Pr</a:t>
+            </a:r>
+            <a:r>
               <a:rPr lang="en-US" sz="6000" dirty="0" smtClean="0"/>
-              <a:t>Pr{</a:t>
+              <a:t>[</a:t>
             </a:r>
             <a:r>
               <a:rPr lang="en-US" sz="6000" dirty="0" smtClean="0">
@@ -7197,8 +7297,9 @@
             </a:r>
             <a:r>
               <a:rPr lang="en-US" sz="6000" dirty="0" smtClean="0"/>
-              <a:t>}</a:t>
-            </a:r>
+              <a:t>]</a:t>
+            </a:r>
+            <a:endParaRPr lang="en-US" sz="6000" dirty="0" smtClean="0"/>
           </a:p>
         </p:txBody>
       </p:sp>
@@ -7445,12 +7546,12 @@
               <a:defRPr/>
             </a:pPr>
             <a:r>
-              <a:rPr lang="en-US" dirty="0" err="1"/>
-              <a:t>lec</a:t>
+              <a:rPr lang="en-US" dirty="0" err="1" smtClean="0"/>
+              <a:t>ranvarindep</a:t>
             </a:r>
             <a:r>
               <a:rPr lang="en-US" dirty="0" smtClean="0"/>
-              <a:t> 12W.</a:t>
+              <a:t>.</a:t>
             </a:r>
             <a:fld id="{95F672D9-7FDA-4DF5-84B2-B60196FF4FEA}" type="slidenum">
               <a:rPr lang="en-US" smtClean="0"/>
@@ -7524,19 +7625,11 @@
             <a:pPr algn="ctr" eaLnBrk="1" hangingPunct="1"/>
             <a:r>
               <a:rPr lang="en-US" sz="6000" dirty="0" err="1" smtClean="0"/>
-              <a:t>Pr{</a:t>
-            </a:r>
-            <a:r>
-              <a:rPr lang="en-US" sz="6000" dirty="0" err="1" smtClean="0">
-                <a:solidFill>
-                  <a:srgbClr val="0000FF"/>
-                </a:solidFill>
-              </a:rPr>
-              <a:t>M</a:t>
+              <a:t>Pr</a:t>
             </a:r>
             <a:r>
               <a:rPr lang="en-US" sz="6000" dirty="0" smtClean="0"/>
-              <a:t>=1}⋅Pr{</a:t>
+              <a:t>[</a:t>
             </a:r>
             <a:r>
               <a:rPr lang="en-US" sz="6000" dirty="0" smtClean="0">
@@ -7544,11 +7637,39 @@
                   <a:srgbClr val="0000FF"/>
                 </a:solidFill>
               </a:rPr>
+              <a:t>M</a:t>
+            </a:r>
+            <a:r>
+              <a:rPr lang="en-US" sz="6000" dirty="0" smtClean="0"/>
+              <a:t>=</a:t>
+            </a:r>
+            <a:r>
+              <a:rPr lang="en-US" sz="6000" dirty="0" smtClean="0"/>
+              <a:t>1]⋅</a:t>
+            </a:r>
+            <a:r>
+              <a:rPr lang="en-US" sz="6000" dirty="0" err="1" smtClean="0"/>
+              <a:t>Pr</a:t>
+            </a:r>
+            <a:r>
+              <a:rPr lang="en-US" sz="6000" dirty="0" smtClean="0"/>
+              <a:t>[</a:t>
+            </a:r>
+            <a:r>
+              <a:rPr lang="en-US" sz="6000" dirty="0" smtClean="0">
+                <a:solidFill>
+                  <a:srgbClr val="0000FF"/>
+                </a:solidFill>
+              </a:rPr>
               <a:t>C</a:t>
             </a:r>
             <a:r>
               <a:rPr lang="en-US" sz="6000" dirty="0" smtClean="0"/>
-              <a:t>=1} </a:t>
+              <a:t>=</a:t>
+            </a:r>
+            <a:r>
+              <a:rPr lang="en-US" sz="6000" dirty="0" smtClean="0"/>
+              <a:t>1] </a:t>
             </a:r>
             <a:r>
               <a:rPr lang="en-US" sz="6000" b="1" dirty="0" smtClean="0">
@@ -7576,8 +7697,12 @@
           <a:p>
             <a:pPr algn="ctr" eaLnBrk="1" hangingPunct="1"/>
             <a:r>
+              <a:rPr lang="en-US" sz="6000" dirty="0" err="1" smtClean="0"/>
+              <a:t>Pr</a:t>
+            </a:r>
+            <a:r>
               <a:rPr lang="en-US" sz="6000" dirty="0" smtClean="0"/>
-              <a:t>Pr{</a:t>
+              <a:t>[</a:t>
             </a:r>
             <a:r>
               <a:rPr lang="en-US" sz="6000" dirty="0" smtClean="0">
@@ -7601,7 +7726,11 @@
             </a:r>
             <a:r>
               <a:rPr lang="en-US" sz="6000" dirty="0" smtClean="0"/>
-              <a:t>=1} </a:t>
+              <a:t>=</a:t>
+            </a:r>
+            <a:r>
+              <a:rPr lang="en-US" sz="6000" dirty="0" smtClean="0"/>
+              <a:t>1] </a:t>
             </a:r>
             <a:r>
               <a:rPr lang="en-US" sz="6000" b="1" dirty="0" smtClean="0">
@@ -7615,11 +7744,12 @@
             </a:r>
             <a:r>
               <a:rPr lang="en-US" sz="6000" dirty="0" smtClean="0"/>
-              <a:t> 0</a:t>
-            </a:r>
-          </a:p>
-          <a:p>
-            <a:pPr eaLnBrk="1" hangingPunct="1"/>
+              <a:t> </a:t>
+            </a:r>
+            <a:r>
+              <a:rPr lang="en-US" sz="6000" dirty="0" smtClean="0"/>
+              <a:t>0</a:t>
+            </a:r>
             <a:endParaRPr lang="en-US" sz="6000" dirty="0" smtClean="0"/>
           </a:p>
         </p:txBody>
